--- a/doc/ppt/答辩PPT_王富国.pptx
+++ b/doc/ppt/答辩PPT_王富国.pptx
@@ -266,7 +266,7 @@
           <a:p>
             <a:fld id="{B298885A-1B81-4E7F-B793-12A31F916A32}" type="datetimeFigureOut">
               <a:rPr lang="zh-CN" altLang="en-US" smtClean="0"/>
-              <a:t>2020/4/24</a:t>
+              <a:t>2020/4/28</a:t>
             </a:fld>
             <a:endParaRPr lang="zh-CN" altLang="en-US"/>
           </a:p>
@@ -431,7 +431,7 @@
           <a:p>
             <a:fld id="{1E77FC2F-FDF9-4A3A-8E00-C9FCC9B036D8}" type="datetimeFigureOut">
               <a:rPr lang="zh-CN" altLang="en-US" smtClean="0"/>
-              <a:t>2020/4/24</a:t>
+              <a:t>2020/4/28</a:t>
             </a:fld>
             <a:endParaRPr lang="zh-CN" altLang="en-US"/>
           </a:p>
@@ -2034,7 +2034,7 @@
           <a:p>
             <a:fld id="{4049A8EC-1E49-424C-BCFA-572FFAE717EA}" type="datetime1">
               <a:rPr lang="zh-CN" altLang="en-US" smtClean="0"/>
-              <a:t>2020/4/24</a:t>
+              <a:t>2020/4/28</a:t>
             </a:fld>
             <a:endParaRPr lang="zh-CN" altLang="en-US"/>
           </a:p>
@@ -2323,7 +2323,7 @@
           <a:p>
             <a:fld id="{1FEB1135-D26A-4F8E-9CC5-4D04C5CB626D}" type="datetime1">
               <a:rPr lang="zh-CN" altLang="en-US" smtClean="0"/>
-              <a:t>2020/4/24</a:t>
+              <a:t>2020/4/28</a:t>
             </a:fld>
             <a:endParaRPr lang="zh-CN" altLang="en-US"/>
           </a:p>
@@ -2592,7 +2592,7 @@
           <a:p>
             <a:fld id="{CA760BCF-A029-48C8-8958-0A70B38BB1DC}" type="datetime1">
               <a:rPr lang="zh-CN" altLang="en-US" smtClean="0"/>
-              <a:t>2020/4/24</a:t>
+              <a:t>2020/4/28</a:t>
             </a:fld>
             <a:endParaRPr lang="zh-CN" altLang="en-US"/>
           </a:p>
@@ -2774,7 +2774,7 @@
           <a:p>
             <a:fld id="{4C031568-A7D1-4636-BB09-7CF4AFFADB82}" type="datetime1">
               <a:rPr lang="zh-CN" altLang="en-US" smtClean="0"/>
-              <a:t>2020/4/24</a:t>
+              <a:t>2020/4/28</a:t>
             </a:fld>
             <a:endParaRPr lang="zh-CN" altLang="en-US"/>
           </a:p>
@@ -2966,7 +2966,7 @@
           <a:p>
             <a:fld id="{D37E55BC-2BD3-49CF-BEF5-18391091E8B5}" type="datetime1">
               <a:rPr lang="zh-CN" altLang="en-US" smtClean="0"/>
-              <a:t>2020/4/24</a:t>
+              <a:t>2020/4/28</a:t>
             </a:fld>
             <a:endParaRPr lang="zh-CN" altLang="en-US"/>
           </a:p>
@@ -3988,7 +3988,7 @@
           <a:p>
             <a:fld id="{AC698C12-413D-45C0-9AD9-C72A6D11CD69}" type="datetime1">
               <a:rPr lang="zh-CN" altLang="en-US" smtClean="0"/>
-              <a:t>2020/4/24</a:t>
+              <a:t>2020/4/28</a:t>
             </a:fld>
             <a:endParaRPr lang="zh-CN" altLang="en-US"/>
           </a:p>
@@ -4232,7 +4232,7 @@
           <a:p>
             <a:fld id="{158AF178-7028-46B8-B227-1B7A5FDAC3B5}" type="datetime1">
               <a:rPr lang="zh-CN" altLang="en-US" smtClean="0"/>
-              <a:t>2020/4/24</a:t>
+              <a:t>2020/4/28</a:t>
             </a:fld>
             <a:endParaRPr lang="zh-CN" altLang="en-US"/>
           </a:p>
@@ -4611,7 +4611,7 @@
           <a:p>
             <a:fld id="{4CCFC36B-FEB6-4842-88BA-8D822531BFD4}" type="datetime1">
               <a:rPr lang="zh-CN" altLang="en-US" smtClean="0"/>
-              <a:t>2020/4/24</a:t>
+              <a:t>2020/4/28</a:t>
             </a:fld>
             <a:endParaRPr lang="zh-CN" altLang="en-US"/>
           </a:p>
@@ -4741,7 +4741,7 @@
           <a:p>
             <a:fld id="{69414BC2-D1DD-4487-BC9B-263F1385394B}" type="datetime1">
               <a:rPr lang="zh-CN" altLang="en-US" smtClean="0"/>
-              <a:t>2020/4/24</a:t>
+              <a:t>2020/4/28</a:t>
             </a:fld>
             <a:endParaRPr lang="zh-CN" altLang="en-US"/>
           </a:p>
@@ -4969,7 +4969,7 @@
           <a:p>
             <a:fld id="{50A0BF5D-1EA0-43A9-8B73-E8769F776C4E}" type="datetime1">
               <a:rPr lang="zh-CN" altLang="en-US" smtClean="0"/>
-              <a:t>2020/4/24</a:t>
+              <a:t>2020/4/28</a:t>
             </a:fld>
             <a:endParaRPr lang="zh-CN" altLang="en-US"/>
           </a:p>
@@ -5803,7 +5803,7 @@
                 <a:ea typeface="+mj-ea"/>
                 <a:sym typeface="Calibri" panose="020F0502020204030204" pitchFamily="34" charset="0"/>
               </a:rPr>
-              <a:t>智能驾校管理系统设计与实现</a:t>
+              <a:t>驾校管理系统设计与实现</a:t>
             </a:r>
           </a:p>
         </p:txBody>
@@ -9076,9 +9076,10 @@
           <a:p>
             <a:pPr algn="ctr"/>
             <a:r>
-              <a:rPr lang="zh-CN" altLang="en-US" b="1" dirty="0"/>
-              <a:t>感应区</a:t>
+              <a:rPr lang="zh-CN" altLang="en-US" b="1"/>
+              <a:t>引脚排针</a:t>
             </a:r>
+            <a:endParaRPr lang="zh-CN" altLang="en-US" b="1" dirty="0"/>
           </a:p>
         </p:txBody>
       </p:sp>

--- a/doc/ppt/答辩PPT_王富国.pptx
+++ b/doc/ppt/答辩PPT_王富国.pptx
@@ -13126,6 +13126,16 @@
               <a:t>sprintf</a:t>
             </a:r>
             <a:r>
+              <a:rPr lang="zh-CN" altLang="en-US" sz="1500">
+                <a:solidFill>
+                  <a:prstClr val="white"/>
+                </a:solidFill>
+                <a:latin typeface="微软雅黑" panose="020B0503020204020204" pitchFamily="34" charset="-122"/>
+                <a:ea typeface="微软雅黑" panose="020B0503020204020204" pitchFamily="34" charset="-122"/>
+              </a:rPr>
+              <a:t>函数导致程序</a:t>
+            </a:r>
+            <a:r>
               <a:rPr lang="zh-CN" altLang="en-US" sz="1500" dirty="0">
                 <a:solidFill>
                   <a:prstClr val="white"/>
@@ -13133,7 +13143,7 @@
                 <a:latin typeface="微软雅黑" panose="020B0503020204020204" pitchFamily="34" charset="-122"/>
                 <a:ea typeface="微软雅黑" panose="020B0503020204020204" pitchFamily="34" charset="-122"/>
               </a:rPr>
-              <a:t>函数导致此程序假死</a:t>
+              <a:t>假死</a:t>
             </a:r>
           </a:p>
         </p:txBody>
